--- a/wx/中昇集团IT规划咨询方案.pptx
+++ b/wx/中昇集团IT规划咨询方案.pptx
@@ -224,7 +224,7 @@
           <a:p>
             <a:fld id="{6D54C296-7BCE-054D-BB6C-D23F361A777C}" type="datetimeFigureOut">
               <a:rPr kumimoji="1" lang="zh-CN" altLang="en-US" smtClean="0"/>
-              <a:t>2018/5/3</a:t>
+              <a:t>2018/5/5</a:t>
             </a:fld>
             <a:endParaRPr kumimoji="1" lang="zh-CN" altLang="en-US"/>
           </a:p>
@@ -1068,7 +1068,7 @@
           <a:p>
             <a:fld id="{95E66FB6-B303-BA4A-B207-C36CDF8289F2}" type="datetimeFigureOut">
               <a:rPr kumimoji="1" lang="zh-CN" altLang="en-US" smtClean="0"/>
-              <a:t>2018/5/3</a:t>
+              <a:t>2018/5/5</a:t>
             </a:fld>
             <a:endParaRPr kumimoji="1" lang="zh-CN" altLang="en-US"/>
           </a:p>
@@ -1391,7 +1391,7 @@
           <a:p>
             <a:fld id="{95E66FB6-B303-BA4A-B207-C36CDF8289F2}" type="datetimeFigureOut">
               <a:rPr kumimoji="1" lang="zh-CN" altLang="en-US" smtClean="0"/>
-              <a:t>2018/5/3</a:t>
+              <a:t>2018/5/5</a:t>
             </a:fld>
             <a:endParaRPr kumimoji="1" lang="zh-CN" altLang="en-US"/>
           </a:p>
@@ -1563,7 +1563,7 @@
           <a:p>
             <a:fld id="{95E66FB6-B303-BA4A-B207-C36CDF8289F2}" type="datetimeFigureOut">
               <a:rPr kumimoji="1" lang="zh-CN" altLang="en-US" smtClean="0"/>
-              <a:t>2018/5/3</a:t>
+              <a:t>2018/5/5</a:t>
             </a:fld>
             <a:endParaRPr kumimoji="1" lang="zh-CN" altLang="en-US"/>
           </a:p>
@@ -1849,7 +1849,7 @@
           <a:p>
             <a:fld id="{95E66FB6-B303-BA4A-B207-C36CDF8289F2}" type="datetimeFigureOut">
               <a:rPr kumimoji="1" lang="zh-CN" altLang="en-US" smtClean="0"/>
-              <a:t>2018/5/3</a:t>
+              <a:t>2018/5/5</a:t>
             </a:fld>
             <a:endParaRPr kumimoji="1" lang="zh-CN" altLang="en-US"/>
           </a:p>
@@ -2066,7 +2066,7 @@
           <a:p>
             <a:fld id="{95E66FB6-B303-BA4A-B207-C36CDF8289F2}" type="datetimeFigureOut">
               <a:rPr kumimoji="1" lang="zh-CN" altLang="en-US" smtClean="0"/>
-              <a:t>2018/5/3</a:t>
+              <a:t>2018/5/5</a:t>
             </a:fld>
             <a:endParaRPr kumimoji="1" lang="zh-CN" altLang="en-US"/>
           </a:p>
@@ -2276,7 +2276,7 @@
           <a:p>
             <a:fld id="{95E66FB6-B303-BA4A-B207-C36CDF8289F2}" type="datetimeFigureOut">
               <a:rPr kumimoji="1" lang="zh-CN" altLang="en-US" smtClean="0"/>
-              <a:t>2018/5/3</a:t>
+              <a:t>2018/5/5</a:t>
             </a:fld>
             <a:endParaRPr kumimoji="1" lang="zh-CN" altLang="en-US"/>
           </a:p>
@@ -2716,7 +2716,7 @@
         </p:nvSpPr>
         <p:spPr>
           <a:xfrm>
-            <a:off x="1962341" y="1989859"/>
+            <a:off x="1823036" y="1989859"/>
             <a:ext cx="8545929" cy="1015663"/>
           </a:xfrm>
           <a:prstGeom prst="rect">
@@ -2797,7 +2797,7 @@
         </p:nvSpPr>
         <p:spPr>
           <a:xfrm>
-            <a:off x="3689888" y="3498440"/>
+            <a:off x="3437260" y="3498440"/>
             <a:ext cx="5317481" cy="523220"/>
           </a:xfrm>
           <a:prstGeom prst="rect">
@@ -2840,7 +2840,7 @@
         </p:nvSpPr>
         <p:spPr>
           <a:xfrm>
-            <a:off x="4279532" y="6023160"/>
+            <a:off x="4348567" y="6023160"/>
             <a:ext cx="3494867" cy="338554"/>
           </a:xfrm>
           <a:prstGeom prst="rect">
@@ -3147,21 +3147,18 @@
               <a:buChar char="•"/>
             </a:pPr>
             <a:r>
-              <a:rPr kumimoji="0" lang="zh-CN" altLang="en-US" sz="1400" b="0" dirty="0">
-                <a:latin typeface="Microsoft YaHei" charset="0"/>
-                <a:ea typeface="Microsoft YaHei" charset="0"/>
-                <a:cs typeface="Microsoft YaHei" charset="0"/>
-              </a:rPr>
-              <a:t>信息化初次</a:t>
-            </a:r>
-            <a:r>
               <a:rPr kumimoji="0" lang="zh-CN" altLang="en-US" sz="1400" b="0" dirty="0" smtClean="0">
                 <a:latin typeface="Microsoft YaHei" charset="0"/>
                 <a:ea typeface="Microsoft YaHei" charset="0"/>
                 <a:cs typeface="Microsoft YaHei" charset="0"/>
               </a:rPr>
-              <a:t>建设</a:t>
-            </a:r>
+              <a:t>信息化建设</a:t>
+            </a:r>
+            <a:endParaRPr kumimoji="0" lang="zh-CN" altLang="en-US" sz="1400" b="0" dirty="0" smtClean="0">
+              <a:latin typeface="Microsoft YaHei" charset="0"/>
+              <a:ea typeface="Microsoft YaHei" charset="0"/>
+              <a:cs typeface="Microsoft YaHei" charset="0"/>
+            </a:endParaRPr>
           </a:p>
           <a:p>
             <a:pPr algn="l">
@@ -24213,7 +24210,7 @@
             <a:graphicData uri="http://schemas.openxmlformats.org/presentationml/2006/ole">
               <mc:AlternateContent xmlns:mc="http://schemas.openxmlformats.org/markup-compatibility/2006">
                 <mc:Choice xmlns:v="urn:schemas-microsoft-com:vml" Requires="v">
-                  <p:oleObj spid="_x0000_s16433" name="Chart" r:id="rId3" imgW="6095897" imgH="4067295" progId="MSGraph.Chart.8">
+                  <p:oleObj spid="_x0000_s16436" name="Chart" r:id="rId3" imgW="6095897" imgH="4067295" progId="MSGraph.Chart.8">
                     <p:embed followColorScheme="full"/>
                   </p:oleObj>
                 </mc:Choice>

--- a/wx/中昇集团IT规划咨询方案.pptx
+++ b/wx/中昇集团IT规划咨询方案.pptx
@@ -14725,20 +14725,20 @@
               <a:t>，</a:t>
             </a:r>
             <a:r>
-              <a:rPr lang="zh-CN" altLang="en-US" sz="1400" dirty="0" smtClean="0">
-                <a:latin typeface="Microsoft YaHei" charset="0"/>
-                <a:ea typeface="Microsoft YaHei" charset="0"/>
-                <a:cs typeface="Microsoft YaHei" charset="0"/>
-              </a:rPr>
-              <a:t>代表</a:t>
-            </a:r>
-            <a:r>
               <a:rPr lang="zh-CN" altLang="en-US" sz="1400" dirty="0">
                 <a:latin typeface="Microsoft YaHei" charset="0"/>
                 <a:ea typeface="Microsoft YaHei" charset="0"/>
                 <a:cs typeface="Microsoft YaHei" charset="0"/>
               </a:rPr>
-              <a:t>甲方对项目整体负责</a:t>
+              <a:t>代表乙方</a:t>
+            </a:r>
+            <a:r>
+              <a:rPr lang="zh-CN" altLang="en-US" sz="1400" dirty="0">
+                <a:latin typeface="Microsoft YaHei" charset="0"/>
+                <a:ea typeface="Microsoft YaHei" charset="0"/>
+                <a:cs typeface="Microsoft YaHei" charset="0"/>
+              </a:rPr>
+              <a:t>对项目整体负责</a:t>
             </a:r>
             <a:r>
               <a:rPr lang="en-US" altLang="zh-CN" sz="1400" dirty="0">
@@ -15679,7 +15679,7 @@
         <p:spPr>
           <a:xfrm>
             <a:off x="2626067" y="1085281"/>
-            <a:ext cx="7848600" cy="5262979"/>
+            <a:ext cx="7848600" cy="4524315"/>
           </a:xfrm>
           <a:prstGeom prst="rect">
             <a:avLst/>
@@ -16031,19 +16031,7 @@
               </a:rPr>
               <a:t>满意度；</a:t>
             </a:r>
-            <a:endParaRPr lang="en-US" altLang="zh-CN" sz="1400" dirty="0" smtClean="0">
-              <a:latin typeface="Microsoft YaHei" charset="0"/>
-              <a:ea typeface="Microsoft YaHei" charset="0"/>
-              <a:cs typeface="Microsoft YaHei" charset="0"/>
-            </a:endParaRPr>
-          </a:p>
-          <a:p>
-            <a:pPr lvl="1">
-              <a:lnSpc>
-                <a:spcPct val="150000"/>
-              </a:lnSpc>
-            </a:pPr>
-            <a:endParaRPr lang="en-US" altLang="zh-CN" sz="1600" dirty="0">
+            <a:endParaRPr lang="en-US" altLang="zh-CN" sz="1600" dirty="0" smtClean="0">
               <a:latin typeface="Microsoft YaHei" charset="0"/>
               <a:ea typeface="Microsoft YaHei" charset="0"/>
               <a:cs typeface="Microsoft YaHei" charset="0"/>
@@ -16063,7 +16051,15 @@
                 <a:ea typeface="Microsoft YaHei" charset="0"/>
                 <a:cs typeface="Microsoft YaHei" charset="0"/>
               </a:rPr>
-              <a:t>优化原有</a:t>
+              <a:t>优化</a:t>
+            </a:r>
+            <a:r>
+              <a:rPr lang="zh-CN" altLang="en-US" sz="1600" dirty="0" smtClean="0">
+                <a:latin typeface="Microsoft YaHei" charset="0"/>
+                <a:ea typeface="Microsoft YaHei" charset="0"/>
+                <a:cs typeface="Microsoft YaHei" charset="0"/>
+              </a:rPr>
+              <a:t>原有</a:t>
             </a:r>
             <a:r>
               <a:rPr lang="en-US" altLang="zh-CN" sz="1600" dirty="0" smtClean="0">
@@ -16095,15 +16091,7 @@
                 <a:ea typeface="Microsoft YaHei" charset="0"/>
                 <a:cs typeface="Microsoft YaHei" charset="0"/>
               </a:rPr>
-              <a:t>仓库，建设标准化、新</a:t>
-            </a:r>
-            <a:r>
-              <a:rPr lang="zh-CN" altLang="en-US" sz="1600" dirty="0">
-                <a:latin typeface="Microsoft YaHei" charset="0"/>
-                <a:ea typeface="Microsoft YaHei" charset="0"/>
-                <a:cs typeface="Microsoft YaHei" charset="0"/>
-              </a:rPr>
-              <a:t>技术</a:t>
+              <a:t>仓库，建设标准化</a:t>
             </a:r>
             <a:r>
               <a:rPr lang="zh-CN" altLang="en-US" sz="1600" dirty="0" smtClean="0">
@@ -16111,6 +16099,22 @@
                 <a:ea typeface="Microsoft YaHei" charset="0"/>
                 <a:cs typeface="Microsoft YaHei" charset="0"/>
               </a:rPr>
+              <a:t>、</a:t>
+            </a:r>
+            <a:r>
+              <a:rPr lang="zh-CN" altLang="en-US" sz="1600" dirty="0" smtClean="0">
+                <a:latin typeface="Microsoft YaHei" charset="0"/>
+                <a:ea typeface="Microsoft YaHei" charset="0"/>
+                <a:cs typeface="Microsoft YaHei" charset="0"/>
+              </a:rPr>
+              <a:t>业务可视化</a:t>
+            </a:r>
+            <a:r>
+              <a:rPr lang="zh-CN" altLang="en-US" sz="1600" dirty="0" smtClean="0">
+                <a:latin typeface="Microsoft YaHei" charset="0"/>
+                <a:ea typeface="Microsoft YaHei" charset="0"/>
+                <a:cs typeface="Microsoft YaHei" charset="0"/>
+              </a:rPr>
               <a:t>的</a:t>
             </a:r>
             <a:r>
@@ -16127,7 +16131,7 @@
                 <a:ea typeface="Microsoft YaHei" charset="0"/>
                 <a:cs typeface="Microsoft YaHei" charset="0"/>
               </a:rPr>
-              <a:t>基础架构</a:t>
+              <a:t>架构</a:t>
             </a:r>
             <a:endParaRPr lang="en-US" altLang="zh-CN" sz="1600" dirty="0" smtClean="0">
               <a:latin typeface="Microsoft YaHei" charset="0"/>
@@ -16222,18 +16226,6 @@
               </a:rPr>
               <a:t>系统</a:t>
             </a:r>
-            <a:endParaRPr lang="en-US" altLang="zh-CN" sz="1400" dirty="0" smtClean="0">
-              <a:latin typeface="Microsoft YaHei" charset="0"/>
-              <a:ea typeface="Microsoft YaHei" charset="0"/>
-              <a:cs typeface="Microsoft YaHei" charset="0"/>
-            </a:endParaRPr>
-          </a:p>
-          <a:p>
-            <a:pPr>
-              <a:lnSpc>
-                <a:spcPct val="150000"/>
-              </a:lnSpc>
-            </a:pPr>
             <a:endParaRPr lang="en-US" altLang="zh-CN" sz="1600" dirty="0">
               <a:latin typeface="Microsoft YaHei" charset="0"/>
               <a:ea typeface="Microsoft YaHei" charset="0"/>
@@ -17049,7 +17041,52 @@
                 <a:ea typeface="微软雅黑" charset="0"/>
                 <a:cs typeface="Times New Roman" charset="0"/>
               </a:rPr>
-              <a:t>金蝶公司秉承“帮助客户成功”的理念，更有“让中国管理模式在全球崛起”的雄心壮志</a:t>
+              <a:t>金蝶公司秉承</a:t>
+            </a:r>
+            <a:r>
+              <a:rPr lang="zh-CN" altLang="zh-CN" kern="100" smtClean="0">
+                <a:effectLst/>
+                <a:latin typeface="Calibri" charset="0"/>
+                <a:ea typeface="微软雅黑" charset="0"/>
+                <a:cs typeface="Times New Roman" charset="0"/>
+              </a:rPr>
+              <a:t>“</a:t>
+            </a:r>
+            <a:r>
+              <a:rPr lang="zh-CN" altLang="zh-CN" kern="100" smtClean="0">
+                <a:effectLst/>
+                <a:latin typeface="Calibri" charset="0"/>
+                <a:ea typeface="微软雅黑" charset="0"/>
+                <a:cs typeface="Times New Roman" charset="0"/>
+              </a:rPr>
+              <a:t>帮助</a:t>
+            </a:r>
+            <a:r>
+              <a:rPr lang="zh-CN" altLang="en-US" kern="100" smtClean="0">
+                <a:effectLst/>
+                <a:latin typeface="Calibri" charset="0"/>
+                <a:ea typeface="微软雅黑" charset="0"/>
+                <a:cs typeface="Times New Roman" charset="0"/>
+              </a:rPr>
+              <a:t>顾</a:t>
+            </a:r>
+            <a:r>
+              <a:rPr lang="zh-CN" altLang="zh-CN" kern="100" smtClean="0">
+                <a:effectLst/>
+                <a:latin typeface="Calibri" charset="0"/>
+                <a:ea typeface="微软雅黑" charset="0"/>
+                <a:cs typeface="Times New Roman" charset="0"/>
+              </a:rPr>
+              <a:t>客成功</a:t>
+            </a:r>
+            <a:r>
+              <a:rPr lang="zh-CN" altLang="zh-CN" kern="100" dirty="0" smtClean="0">
+                <a:effectLst/>
+                <a:latin typeface="Calibri" charset="0"/>
+                <a:ea typeface="微软雅黑" charset="0"/>
+                <a:cs typeface="Times New Roman" charset="0"/>
+              </a:rPr>
+              <a:t>”的理念，更有“让中国管理模式在全球崛起”的雄心壮志</a:t>
             </a:r>
             <a:r>
               <a:rPr lang="zh-CN" altLang="en-US" kern="100" dirty="0">
@@ -24210,7 +24247,7 @@
             <a:graphicData uri="http://schemas.openxmlformats.org/presentationml/2006/ole">
               <mc:AlternateContent xmlns:mc="http://schemas.openxmlformats.org/markup-compatibility/2006">
                 <mc:Choice xmlns:v="urn:schemas-microsoft-com:vml" Requires="v">
-                  <p:oleObj spid="_x0000_s16436" name="Chart" r:id="rId3" imgW="6095897" imgH="4067295" progId="MSGraph.Chart.8">
+                  <p:oleObj spid="_x0000_s16438" name="Chart" r:id="rId3" imgW="6095897" imgH="4067295" progId="MSGraph.Chart.8">
                     <p:embed followColorScheme="full"/>
                   </p:oleObj>
                 </mc:Choice>
